--- a/PRESENTATIONS/2023-09-tpac/2023-09-14-WoT-TPAC-Discovery-McCool.pptx
+++ b/PRESENTATIONS/2023-09-tpac/2023-09-14-WoT-TPAC-Discovery-McCool.pptx
@@ -6,7 +6,7 @@
     <p:sldMasterId id="2147483660" r:id="rId2"/>
   </p:sldMasterIdLst>
   <p:notesMasterIdLst>
-    <p:notesMasterId r:id="rId9"/>
+    <p:notesMasterId r:id="rId10"/>
   </p:notesMasterIdLst>
   <p:sldIdLst>
     <p:sldId id="256" r:id="rId3"/>
@@ -15,6 +15,7 @@
     <p:sldId id="260" r:id="rId6"/>
     <p:sldId id="262" r:id="rId7"/>
     <p:sldId id="261" r:id="rId8"/>
+    <p:sldId id="263" r:id="rId9"/>
   </p:sldIdLst>
   <p:sldSz cx="12192000" cy="6858000"/>
   <p:notesSz cx="6858000" cy="9144000"/>
@@ -132,182 +133,38 @@
 </p:presentation>
 </file>
 
-<file path=ppt/revisionInfo.xml><?xml version="1.0" encoding="utf-8"?>
-<p1510:revInfo xmlns:a="http://schemas.openxmlformats.org/drawingml/2006/main" xmlns:r="http://schemas.openxmlformats.org/officeDocument/2006/relationships" xmlns:p1510="http://schemas.microsoft.com/office/powerpoint/2015/10/main">
-  <p1510:revLst>
-    <p1510:client id="{6BC2E8D2-680B-4720-8A62-60CDDD2F9618}" v="9" dt="2023-09-05T16:33:09.812"/>
-  </p1510:revLst>
-</p1510:revInfo>
-</file>
-
 <file path=ppt/changesInfos/changesInfo1.xml><?xml version="1.0" encoding="utf-8"?>
 <pc:chgInfo xmlns:a="http://schemas.openxmlformats.org/drawingml/2006/main" xmlns:r="http://schemas.openxmlformats.org/officeDocument/2006/relationships" xmlns:ac="http://schemas.microsoft.com/office/drawing/2013/main/command" xmlns:pc="http://schemas.microsoft.com/office/powerpoint/2013/main/command">
   <pc:docChgLst>
-    <pc:chgData name="Mccool, Michael" userId="9022b910-48f5-4b36-ad75-783e2c5f7356" providerId="ADAL" clId="{6BC2E8D2-680B-4720-8A62-60CDDD2F9618}"/>
-    <pc:docChg chg="custSel addSld delSld modSld addMainMaster">
-      <pc:chgData name="Mccool, Michael" userId="9022b910-48f5-4b36-ad75-783e2c5f7356" providerId="ADAL" clId="{6BC2E8D2-680B-4720-8A62-60CDDD2F9618}" dt="2023-09-05T16:33:55.093" v="1926" actId="47"/>
+    <pc:chgData name="Mccool, Michael" userId="9022b910-48f5-4b36-ad75-783e2c5f7356" providerId="ADAL" clId="{0173CD29-A8AE-4C5F-9763-0736895CCAB7}"/>
+    <pc:docChg chg="custSel addSld modSld">
+      <pc:chgData name="Mccool, Michael" userId="9022b910-48f5-4b36-ad75-783e2c5f7356" providerId="ADAL" clId="{0173CD29-A8AE-4C5F-9763-0736895CCAB7}" dt="2023-09-14T15:26:03.760" v="288" actId="5793"/>
       <pc:docMkLst>
         <pc:docMk/>
       </pc:docMkLst>
-      <pc:sldChg chg="modSp mod">
-        <pc:chgData name="Mccool, Michael" userId="9022b910-48f5-4b36-ad75-783e2c5f7356" providerId="ADAL" clId="{6BC2E8D2-680B-4720-8A62-60CDDD2F9618}" dt="2023-09-05T15:53:24.784" v="51" actId="20577"/>
+      <pc:sldChg chg="modSp new mod">
+        <pc:chgData name="Mccool, Michael" userId="9022b910-48f5-4b36-ad75-783e2c5f7356" providerId="ADAL" clId="{0173CD29-A8AE-4C5F-9763-0736895CCAB7}" dt="2023-09-14T15:26:03.760" v="288" actId="5793"/>
         <pc:sldMkLst>
           <pc:docMk/>
-          <pc:sldMk cId="172328536" sldId="256"/>
+          <pc:sldMk cId="136376090" sldId="263"/>
         </pc:sldMkLst>
         <pc:spChg chg="mod">
-          <ac:chgData name="Mccool, Michael" userId="9022b910-48f5-4b36-ad75-783e2c5f7356" providerId="ADAL" clId="{6BC2E8D2-680B-4720-8A62-60CDDD2F9618}" dt="2023-09-05T15:53:08.558" v="10" actId="20577"/>
+          <ac:chgData name="Mccool, Michael" userId="9022b910-48f5-4b36-ad75-783e2c5f7356" providerId="ADAL" clId="{0173CD29-A8AE-4C5F-9763-0736895CCAB7}" dt="2023-09-14T15:20:43.538" v="29" actId="20577"/>
           <ac:spMkLst>
             <pc:docMk/>
-            <pc:sldMk cId="172328536" sldId="256"/>
-            <ac:spMk id="2" creationId="{F0887674-345B-6D45-8433-396169D87CDD}"/>
+            <pc:sldMk cId="136376090" sldId="263"/>
+            <ac:spMk id="2" creationId="{41B988A3-4226-5ADE-FE6E-2E34AEE56B8A}"/>
           </ac:spMkLst>
         </pc:spChg>
         <pc:spChg chg="mod">
-          <ac:chgData name="Mccool, Michael" userId="9022b910-48f5-4b36-ad75-783e2c5f7356" providerId="ADAL" clId="{6BC2E8D2-680B-4720-8A62-60CDDD2F9618}" dt="2023-09-05T15:53:24.784" v="51" actId="20577"/>
+          <ac:chgData name="Mccool, Michael" userId="9022b910-48f5-4b36-ad75-783e2c5f7356" providerId="ADAL" clId="{0173CD29-A8AE-4C5F-9763-0736895CCAB7}" dt="2023-09-14T15:26:03.760" v="288" actId="5793"/>
           <ac:spMkLst>
             <pc:docMk/>
-            <pc:sldMk cId="172328536" sldId="256"/>
-            <ac:spMk id="3" creationId="{C0E957DB-7468-C943-8F4B-9FE90A3CB8D2}"/>
+            <pc:sldMk cId="136376090" sldId="263"/>
+            <ac:spMk id="3" creationId="{DAD476A7-9580-7D17-B1EF-C34E16566B47}"/>
           </ac:spMkLst>
         </pc:spChg>
       </pc:sldChg>
-      <pc:sldChg chg="del">
-        <pc:chgData name="Mccool, Michael" userId="9022b910-48f5-4b36-ad75-783e2c5f7356" providerId="ADAL" clId="{6BC2E8D2-680B-4720-8A62-60CDDD2F9618}" dt="2023-09-05T15:55:25.527" v="59" actId="47"/>
-        <pc:sldMkLst>
-          <pc:docMk/>
-          <pc:sldMk cId="2239956326" sldId="257"/>
-        </pc:sldMkLst>
-      </pc:sldChg>
-      <pc:sldChg chg="modSp add mod">
-        <pc:chgData name="Mccool, Michael" userId="9022b910-48f5-4b36-ad75-783e2c5f7356" providerId="ADAL" clId="{6BC2E8D2-680B-4720-8A62-60CDDD2F9618}" dt="2023-09-05T16:30:17.290" v="1606" actId="20577"/>
-        <pc:sldMkLst>
-          <pc:docMk/>
-          <pc:sldMk cId="4221212641" sldId="258"/>
-        </pc:sldMkLst>
-        <pc:spChg chg="mod">
-          <ac:chgData name="Mccool, Michael" userId="9022b910-48f5-4b36-ad75-783e2c5f7356" providerId="ADAL" clId="{6BC2E8D2-680B-4720-8A62-60CDDD2F9618}" dt="2023-09-05T16:30:17.290" v="1606" actId="20577"/>
-          <ac:spMkLst>
-            <pc:docMk/>
-            <pc:sldMk cId="4221212641" sldId="258"/>
-            <ac:spMk id="3" creationId="{73D7B15A-EE83-6C46-B3BF-DD4FF849D320}"/>
-          </ac:spMkLst>
-        </pc:spChg>
-      </pc:sldChg>
-      <pc:sldChg chg="modSp add mod">
-        <pc:chgData name="Mccool, Michael" userId="9022b910-48f5-4b36-ad75-783e2c5f7356" providerId="ADAL" clId="{6BC2E8D2-680B-4720-8A62-60CDDD2F9618}" dt="2023-09-05T16:01:38.591" v="404" actId="20577"/>
-        <pc:sldMkLst>
-          <pc:docMk/>
-          <pc:sldMk cId="267219393" sldId="259"/>
-        </pc:sldMkLst>
-        <pc:spChg chg="mod">
-          <ac:chgData name="Mccool, Michael" userId="9022b910-48f5-4b36-ad75-783e2c5f7356" providerId="ADAL" clId="{6BC2E8D2-680B-4720-8A62-60CDDD2F9618}" dt="2023-09-05T15:56:44.873" v="116" actId="20577"/>
-          <ac:spMkLst>
-            <pc:docMk/>
-            <pc:sldMk cId="267219393" sldId="259"/>
-            <ac:spMk id="2" creationId="{85BC194C-11B4-DF4D-BD5B-07A74B9C6240}"/>
-          </ac:spMkLst>
-        </pc:spChg>
-        <pc:spChg chg="mod">
-          <ac:chgData name="Mccool, Michael" userId="9022b910-48f5-4b36-ad75-783e2c5f7356" providerId="ADAL" clId="{6BC2E8D2-680B-4720-8A62-60CDDD2F9618}" dt="2023-09-05T16:01:38.591" v="404" actId="20577"/>
-          <ac:spMkLst>
-            <pc:docMk/>
-            <pc:sldMk cId="267219393" sldId="259"/>
-            <ac:spMk id="3" creationId="{73D7B15A-EE83-6C46-B3BF-DD4FF849D320}"/>
-          </ac:spMkLst>
-        </pc:spChg>
-      </pc:sldChg>
-      <pc:sldChg chg="modSp add mod">
-        <pc:chgData name="Mccool, Michael" userId="9022b910-48f5-4b36-ad75-783e2c5f7356" providerId="ADAL" clId="{6BC2E8D2-680B-4720-8A62-60CDDD2F9618}" dt="2023-09-05T16:27:34.066" v="1326" actId="20577"/>
-        <pc:sldMkLst>
-          <pc:docMk/>
-          <pc:sldMk cId="1054669765" sldId="260"/>
-        </pc:sldMkLst>
-        <pc:spChg chg="mod">
-          <ac:chgData name="Mccool, Michael" userId="9022b910-48f5-4b36-ad75-783e2c5f7356" providerId="ADAL" clId="{6BC2E8D2-680B-4720-8A62-60CDDD2F9618}" dt="2023-09-05T16:06:25.997" v="847" actId="20577"/>
-          <ac:spMkLst>
-            <pc:docMk/>
-            <pc:sldMk cId="1054669765" sldId="260"/>
-            <ac:spMk id="2" creationId="{85BC194C-11B4-DF4D-BD5B-07A74B9C6240}"/>
-          </ac:spMkLst>
-        </pc:spChg>
-        <pc:spChg chg="mod">
-          <ac:chgData name="Mccool, Michael" userId="9022b910-48f5-4b36-ad75-783e2c5f7356" providerId="ADAL" clId="{6BC2E8D2-680B-4720-8A62-60CDDD2F9618}" dt="2023-09-05T16:27:34.066" v="1326" actId="20577"/>
-          <ac:spMkLst>
-            <pc:docMk/>
-            <pc:sldMk cId="1054669765" sldId="260"/>
-            <ac:spMk id="3" creationId="{73D7B15A-EE83-6C46-B3BF-DD4FF849D320}"/>
-          </ac:spMkLst>
-        </pc:spChg>
-      </pc:sldChg>
-      <pc:sldChg chg="modSp add mod">
-        <pc:chgData name="Mccool, Michael" userId="9022b910-48f5-4b36-ad75-783e2c5f7356" providerId="ADAL" clId="{6BC2E8D2-680B-4720-8A62-60CDDD2F9618}" dt="2023-09-05T16:30:10.497" v="1589" actId="20577"/>
-        <pc:sldMkLst>
-          <pc:docMk/>
-          <pc:sldMk cId="2354419209" sldId="261"/>
-        </pc:sldMkLst>
-        <pc:spChg chg="mod">
-          <ac:chgData name="Mccool, Michael" userId="9022b910-48f5-4b36-ad75-783e2c5f7356" providerId="ADAL" clId="{6BC2E8D2-680B-4720-8A62-60CDDD2F9618}" dt="2023-09-05T16:30:10.497" v="1589" actId="20577"/>
-          <ac:spMkLst>
-            <pc:docMk/>
-            <pc:sldMk cId="2354419209" sldId="261"/>
-            <ac:spMk id="2" creationId="{85BC194C-11B4-DF4D-BD5B-07A74B9C6240}"/>
-          </ac:spMkLst>
-        </pc:spChg>
-        <pc:spChg chg="mod">
-          <ac:chgData name="Mccool, Michael" userId="9022b910-48f5-4b36-ad75-783e2c5f7356" providerId="ADAL" clId="{6BC2E8D2-680B-4720-8A62-60CDDD2F9618}" dt="2023-09-05T16:29:11.467" v="1550" actId="20577"/>
-          <ac:spMkLst>
-            <pc:docMk/>
-            <pc:sldMk cId="2354419209" sldId="261"/>
-            <ac:spMk id="3" creationId="{73D7B15A-EE83-6C46-B3BF-DD4FF849D320}"/>
-          </ac:spMkLst>
-        </pc:spChg>
-      </pc:sldChg>
-      <pc:sldChg chg="modSp add mod">
-        <pc:chgData name="Mccool, Michael" userId="9022b910-48f5-4b36-ad75-783e2c5f7356" providerId="ADAL" clId="{6BC2E8D2-680B-4720-8A62-60CDDD2F9618}" dt="2023-09-05T16:33:46.749" v="1925" actId="207"/>
-        <pc:sldMkLst>
-          <pc:docMk/>
-          <pc:sldMk cId="2247113702" sldId="262"/>
-        </pc:sldMkLst>
-        <pc:spChg chg="mod">
-          <ac:chgData name="Mccool, Michael" userId="9022b910-48f5-4b36-ad75-783e2c5f7356" providerId="ADAL" clId="{6BC2E8D2-680B-4720-8A62-60CDDD2F9618}" dt="2023-09-05T16:30:33.677" v="1631" actId="20577"/>
-          <ac:spMkLst>
-            <pc:docMk/>
-            <pc:sldMk cId="2247113702" sldId="262"/>
-            <ac:spMk id="2" creationId="{85BC194C-11B4-DF4D-BD5B-07A74B9C6240}"/>
-          </ac:spMkLst>
-        </pc:spChg>
-        <pc:spChg chg="mod">
-          <ac:chgData name="Mccool, Michael" userId="9022b910-48f5-4b36-ad75-783e2c5f7356" providerId="ADAL" clId="{6BC2E8D2-680B-4720-8A62-60CDDD2F9618}" dt="2023-09-05T16:33:46.749" v="1925" actId="207"/>
-          <ac:spMkLst>
-            <pc:docMk/>
-            <pc:sldMk cId="2247113702" sldId="262"/>
-            <ac:spMk id="3" creationId="{73D7B15A-EE83-6C46-B3BF-DD4FF849D320}"/>
-          </ac:spMkLst>
-        </pc:spChg>
-      </pc:sldChg>
-      <pc:sldChg chg="add del">
-        <pc:chgData name="Mccool, Michael" userId="9022b910-48f5-4b36-ad75-783e2c5f7356" providerId="ADAL" clId="{6BC2E8D2-680B-4720-8A62-60CDDD2F9618}" dt="2023-09-05T16:33:55.093" v="1926" actId="47"/>
-        <pc:sldMkLst>
-          <pc:docMk/>
-          <pc:sldMk cId="2239956326" sldId="263"/>
-        </pc:sldMkLst>
-      </pc:sldChg>
-      <pc:sldMasterChg chg="add addSldLayout">
-        <pc:chgData name="Mccool, Michael" userId="9022b910-48f5-4b36-ad75-783e2c5f7356" providerId="ADAL" clId="{6BC2E8D2-680B-4720-8A62-60CDDD2F9618}" dt="2023-09-05T15:54:08.611" v="52" actId="27028"/>
-        <pc:sldMasterMkLst>
-          <pc:docMk/>
-          <pc:sldMasterMk cId="1961663111" sldId="2147483660"/>
-        </pc:sldMasterMkLst>
-        <pc:sldLayoutChg chg="add">
-          <pc:chgData name="Mccool, Michael" userId="9022b910-48f5-4b36-ad75-783e2c5f7356" providerId="ADAL" clId="{6BC2E8D2-680B-4720-8A62-60CDDD2F9618}" dt="2023-09-05T15:54:08.611" v="52" actId="27028"/>
-          <pc:sldLayoutMkLst>
-            <pc:docMk/>
-            <pc:sldMasterMk cId="1961663111" sldId="2147483660"/>
-            <pc:sldLayoutMk cId="1490460231" sldId="2147483661"/>
-          </pc:sldLayoutMkLst>
-        </pc:sldLayoutChg>
-      </pc:sldMasterChg>
     </pc:docChg>
   </pc:docChgLst>
 </pc:chgInfo>
@@ -395,7 +252,7 @@
           <a:p>
             <a:fld id="{8389B5DD-0274-BF45-B4C5-62E173E8F634}" type="datetimeFigureOut">
               <a:rPr lang="en-US" smtClean="0"/>
-              <a:t>9/5/2023</a:t>
+              <a:t>9/14/2023</a:t>
             </a:fld>
             <a:endParaRPr lang="en-US"/>
           </a:p>
@@ -1011,7 +868,7 @@
           <a:p>
             <a:fld id="{2F93E591-CC8D-C74E-8EED-098A7FB5E64D}" type="datetime1">
               <a:rPr lang="en-CA" smtClean="0"/>
-              <a:t>2023-09-05</a:t>
+              <a:t>2023-09-14</a:t>
             </a:fld>
             <a:endParaRPr lang="en-US"/>
           </a:p>
@@ -1279,7 +1136,7 @@
           <a:p>
             <a:fld id="{2E1BC118-574D-594E-ABEA-A7C82666C9AB}" type="datetime1">
               <a:rPr lang="en-CA" smtClean="0"/>
-              <a:t>2023-09-05</a:t>
+              <a:t>2023-09-14</a:t>
             </a:fld>
             <a:endParaRPr lang="en-US"/>
           </a:p>
@@ -1645,7 +1502,7 @@
           <a:p>
             <a:fld id="{B929AB1E-7FD9-0A40-B7C0-508CCACB3E9A}" type="datetime1">
               <a:rPr lang="en-CA" smtClean="0"/>
-              <a:t>2023-09-05</a:t>
+              <a:t>2023-09-14</a:t>
             </a:fld>
             <a:endParaRPr lang="en-US"/>
           </a:p>
@@ -1908,7 +1765,7 @@
           <a:p>
             <a:fld id="{B929AB1E-7FD9-0A40-B7C0-508CCACB3E9A}" type="datetime1">
               <a:rPr lang="en-CA" smtClean="0"/>
-              <a:t>2023-09-05</a:t>
+              <a:t>2023-09-14</a:t>
             </a:fld>
             <a:endParaRPr lang="en-US"/>
           </a:p>
@@ -2140,7 +1997,7 @@
           <a:p>
             <a:fld id="{5AE8723F-57EA-4C47-97B9-92AFDEEF85DC}" type="datetime1">
               <a:rPr lang="en-CA" smtClean="0"/>
-              <a:t>2023-09-05</a:t>
+              <a:t>2023-09-14</a:t>
             </a:fld>
             <a:endParaRPr lang="en-US"/>
           </a:p>
@@ -2470,7 +2327,7 @@
           <a:p>
             <a:fld id="{B2B00E5D-EC04-AA49-8D52-0FCB6E08F63D}" type="datetime1">
               <a:rPr lang="en-CA" smtClean="0"/>
-              <a:t>2023-09-05</a:t>
+              <a:t>2023-09-14</a:t>
             </a:fld>
             <a:endParaRPr lang="en-US"/>
           </a:p>
@@ -2943,7 +2800,7 @@
           <a:p>
             <a:fld id="{FF90905C-10FF-8047-AA7E-6DC7E8B6AF51}" type="datetime1">
               <a:rPr lang="en-CA" smtClean="0"/>
-              <a:t>2023-09-05</a:t>
+              <a:t>2023-09-14</a:t>
             </a:fld>
             <a:endParaRPr lang="en-US"/>
           </a:p>
@@ -3149,7 +3006,7 @@
           <a:p>
             <a:fld id="{D1CE86E2-4400-D342-BEEC-F9C1ADF6F9F7}" type="datetime1">
               <a:rPr lang="en-CA" smtClean="0"/>
-              <a:t>2023-09-05</a:t>
+              <a:t>2023-09-14</a:t>
             </a:fld>
             <a:endParaRPr lang="en-US"/>
           </a:p>
@@ -3319,7 +3176,7 @@
           <a:p>
             <a:fld id="{74358A08-7221-7F45-8378-69D5559861DD}" type="datetime1">
               <a:rPr lang="en-CA" smtClean="0"/>
-              <a:t>2023-09-05</a:t>
+              <a:t>2023-09-14</a:t>
             </a:fld>
             <a:endParaRPr lang="en-US"/>
           </a:p>
@@ -3691,7 +3548,7 @@
           <a:p>
             <a:fld id="{08C20FDB-303D-8A4E-83B7-226DD88B97BD}" type="datetime1">
               <a:rPr lang="en-CA" smtClean="0"/>
-              <a:t>2023-09-05</a:t>
+              <a:t>2023-09-14</a:t>
             </a:fld>
             <a:endParaRPr lang="en-US"/>
           </a:p>
@@ -4043,7 +3900,7 @@
           <a:p>
             <a:fld id="{0A9EBA37-9D18-D34A-A88D-1B00AA06E95C}" type="datetime1">
               <a:rPr lang="en-CA" smtClean="0"/>
-              <a:t>2023-09-05</a:t>
+              <a:t>2023-09-14</a:t>
             </a:fld>
             <a:endParaRPr lang="en-US"/>
           </a:p>
@@ -4383,7 +4240,7 @@
             <a:fld id="{B73A2E78-F38A-E046-ACDB-668F070D1EF6}" type="datetime1">
               <a:rPr lang="en-CA" smtClean="0"/>
               <a:pPr/>
-              <a:t>2023-09-05</a:t>
+              <a:t>2023-09-14</a:t>
             </a:fld>
             <a:endParaRPr lang="en-US" dirty="0"/>
           </a:p>
@@ -4961,7 +4818,7 @@
             <a:fld id="{B73A2E78-F38A-E046-ACDB-668F070D1EF6}" type="datetime1">
               <a:rPr lang="en-CA" smtClean="0"/>
               <a:pPr/>
-              <a:t>2023-09-05</a:t>
+              <a:t>2023-09-14</a:t>
             </a:fld>
             <a:endParaRPr lang="en-US" dirty="0"/>
           </a:p>
@@ -5648,7 +5505,7 @@
           <a:p>
             <a:fld id="{BF92DA42-2970-1B4D-9C1F-77F249CD7467}" type="datetime1">
               <a:rPr lang="en-CA" smtClean="0"/>
-              <a:t>2023-09-05</a:t>
+              <a:t>2023-09-14</a:t>
             </a:fld>
             <a:endParaRPr lang="en-US" dirty="0"/>
           </a:p>
@@ -6033,7 +5890,7 @@
           <a:p>
             <a:fld id="{BF92DA42-2970-1B4D-9C1F-77F249CD7467}" type="datetime1">
               <a:rPr lang="en-CA" smtClean="0"/>
-              <a:t>2023-09-05</a:t>
+              <a:t>2023-09-14</a:t>
             </a:fld>
             <a:endParaRPr lang="en-US" dirty="0"/>
           </a:p>
@@ -6305,7 +6162,7 @@
           <a:p>
             <a:fld id="{BF92DA42-2970-1B4D-9C1F-77F249CD7467}" type="datetime1">
               <a:rPr lang="en-CA" smtClean="0"/>
-              <a:t>2023-09-05</a:t>
+              <a:t>2023-09-14</a:t>
             </a:fld>
             <a:endParaRPr lang="en-US" dirty="0"/>
           </a:p>
@@ -6626,7 +6483,7 @@
           <a:p>
             <a:fld id="{BF92DA42-2970-1B4D-9C1F-77F249CD7467}" type="datetime1">
               <a:rPr lang="en-CA" smtClean="0"/>
-              <a:t>2023-09-05</a:t>
+              <a:t>2023-09-14</a:t>
             </a:fld>
             <a:endParaRPr lang="en-US" dirty="0"/>
           </a:p>
@@ -6975,7 +6832,7 @@
           <a:p>
             <a:fld id="{BF92DA42-2970-1B4D-9C1F-77F249CD7467}" type="datetime1">
               <a:rPr lang="en-CA" smtClean="0"/>
-              <a:t>2023-09-05</a:t>
+              <a:t>2023-09-14</a:t>
             </a:fld>
             <a:endParaRPr lang="en-US" dirty="0"/>
           </a:p>
@@ -7042,6 +6899,204 @@
     <p:extLst>
       <p:ext uri="{BB962C8B-B14F-4D97-AF65-F5344CB8AC3E}">
         <p14:creationId xmlns:p14="http://schemas.microsoft.com/office/powerpoint/2010/main" val="2354419209"/>
+      </p:ext>
+    </p:extLst>
+  </p:cSld>
+  <p:clrMapOvr>
+    <a:masterClrMapping/>
+  </p:clrMapOvr>
+</p:sld>
+</file>
+
+<file path=ppt/slides/slide7.xml><?xml version="1.0" encoding="utf-8"?>
+<p:sld xmlns:a="http://schemas.openxmlformats.org/drawingml/2006/main" xmlns:r="http://schemas.openxmlformats.org/officeDocument/2006/relationships" xmlns:p="http://schemas.openxmlformats.org/presentationml/2006/main">
+  <p:cSld>
+    <p:spTree>
+      <p:nvGrpSpPr>
+        <p:cNvPr id="1" name=""/>
+        <p:cNvGrpSpPr/>
+        <p:nvPr/>
+      </p:nvGrpSpPr>
+      <p:grpSpPr>
+        <a:xfrm>
+          <a:off x="0" y="0"/>
+          <a:ext cx="0" cy="0"/>
+          <a:chOff x="0" y="0"/>
+          <a:chExt cx="0" cy="0"/>
+        </a:xfrm>
+      </p:grpSpPr>
+      <p:sp>
+        <p:nvSpPr>
+          <p:cNvPr id="2" name="Title 1">
+            <a:extLst>
+              <a:ext uri="{FF2B5EF4-FFF2-40B4-BE49-F238E27FC236}">
+                <a16:creationId xmlns:a16="http://schemas.microsoft.com/office/drawing/2014/main" id="{41B988A3-4226-5ADE-FE6E-2E34AEE56B8A}"/>
+              </a:ext>
+            </a:extLst>
+          </p:cNvPr>
+          <p:cNvSpPr>
+            <a:spLocks noGrp="1"/>
+          </p:cNvSpPr>
+          <p:nvPr>
+            <p:ph type="title"/>
+          </p:nvPr>
+        </p:nvSpPr>
+        <p:spPr/>
+        <p:txBody>
+          <a:bodyPr/>
+          <a:lstStyle/>
+          <a:p>
+            <a:r>
+              <a:rPr lang="en-CA" dirty="0"/>
+              <a:t>Other Discussions</a:t>
+            </a:r>
+            <a:endParaRPr lang="en-US" dirty="0"/>
+          </a:p>
+        </p:txBody>
+      </p:sp>
+      <p:sp>
+        <p:nvSpPr>
+          <p:cNvPr id="3" name="Content Placeholder 2">
+            <a:extLst>
+              <a:ext uri="{FF2B5EF4-FFF2-40B4-BE49-F238E27FC236}">
+                <a16:creationId xmlns:a16="http://schemas.microsoft.com/office/drawing/2014/main" id="{DAD476A7-9580-7D17-B1EF-C34E16566B47}"/>
+              </a:ext>
+            </a:extLst>
+          </p:cNvPr>
+          <p:cNvSpPr>
+            <a:spLocks noGrp="1"/>
+          </p:cNvSpPr>
+          <p:nvPr>
+            <p:ph idx="1"/>
+          </p:nvPr>
+        </p:nvSpPr>
+        <p:spPr/>
+        <p:txBody>
+          <a:bodyPr/>
+          <a:lstStyle/>
+          <a:p>
+            <a:r>
+              <a:rPr lang="en-CA" dirty="0"/>
+              <a:t>CG: multi-protocol support, e.g. MQTT</a:t>
+            </a:r>
+            <a:endParaRPr lang="en-US" dirty="0"/>
+          </a:p>
+          <a:p>
+            <a:r>
+              <a:rPr lang="en-US" dirty="0"/>
+              <a:t>CA: have some CoAP, can start there, can extend </a:t>
+            </a:r>
+            <a:r>
+              <a:rPr lang="en-US" dirty="0" err="1"/>
+              <a:t>CoRE</a:t>
+            </a:r>
+            <a:r>
+              <a:rPr lang="en-US" dirty="0"/>
+              <a:t>-RD.  Start simple first, e.g. read-only directories, just e.g. </a:t>
+            </a:r>
+            <a:r>
+              <a:rPr lang="en-US"/>
+              <a:t>for self-description</a:t>
+            </a:r>
+          </a:p>
+          <a:p>
+            <a:pPr marL="0" indent="0">
+              <a:buNone/>
+            </a:pPr>
+            <a:endParaRPr lang="en-CA" dirty="0"/>
+          </a:p>
+        </p:txBody>
+      </p:sp>
+      <p:sp>
+        <p:nvSpPr>
+          <p:cNvPr id="4" name="Footer Placeholder 3">
+            <a:extLst>
+              <a:ext uri="{FF2B5EF4-FFF2-40B4-BE49-F238E27FC236}">
+                <a16:creationId xmlns:a16="http://schemas.microsoft.com/office/drawing/2014/main" id="{3F06E7A9-5132-861E-3BBA-09EE29E3DF9A}"/>
+              </a:ext>
+            </a:extLst>
+          </p:cNvPr>
+          <p:cNvSpPr>
+            <a:spLocks noGrp="1"/>
+          </p:cNvSpPr>
+          <p:nvPr>
+            <p:ph type="ftr" sz="quarter" idx="11"/>
+          </p:nvPr>
+        </p:nvSpPr>
+        <p:spPr/>
+        <p:txBody>
+          <a:bodyPr/>
+          <a:lstStyle/>
+          <a:p>
+            <a:r>
+              <a:rPr lang="en-US"/>
+              <a:t>W3C Web of Things (WoT) WG/IG</a:t>
+            </a:r>
+          </a:p>
+        </p:txBody>
+      </p:sp>
+      <p:sp>
+        <p:nvSpPr>
+          <p:cNvPr id="5" name="Slide Number Placeholder 4">
+            <a:extLst>
+              <a:ext uri="{FF2B5EF4-FFF2-40B4-BE49-F238E27FC236}">
+                <a16:creationId xmlns:a16="http://schemas.microsoft.com/office/drawing/2014/main" id="{21E87BF0-97EF-ABB7-4D66-4F65EE8EFE68}"/>
+              </a:ext>
+            </a:extLst>
+          </p:cNvPr>
+          <p:cNvSpPr>
+            <a:spLocks noGrp="1"/>
+          </p:cNvSpPr>
+          <p:nvPr>
+            <p:ph type="sldNum" sz="quarter" idx="12"/>
+          </p:nvPr>
+        </p:nvSpPr>
+        <p:spPr/>
+        <p:txBody>
+          <a:bodyPr/>
+          <a:lstStyle/>
+          <a:p>
+            <a:fld id="{055BDE2E-7167-1944-9FEE-E44668D91CB6}" type="slidenum">
+              <a:rPr lang="en-US" smtClean="0"/>
+              <a:t>7</a:t>
+            </a:fld>
+            <a:endParaRPr lang="en-US"/>
+          </a:p>
+        </p:txBody>
+      </p:sp>
+      <p:sp>
+        <p:nvSpPr>
+          <p:cNvPr id="6" name="Date Placeholder 5">
+            <a:extLst>
+              <a:ext uri="{FF2B5EF4-FFF2-40B4-BE49-F238E27FC236}">
+                <a16:creationId xmlns:a16="http://schemas.microsoft.com/office/drawing/2014/main" id="{DEA89169-B172-ADAE-102D-37D07248E4CA}"/>
+              </a:ext>
+            </a:extLst>
+          </p:cNvPr>
+          <p:cNvSpPr>
+            <a:spLocks noGrp="1"/>
+          </p:cNvSpPr>
+          <p:nvPr>
+            <p:ph type="dt" sz="half" idx="10"/>
+          </p:nvPr>
+        </p:nvSpPr>
+        <p:spPr/>
+        <p:txBody>
+          <a:bodyPr/>
+          <a:lstStyle/>
+          <a:p>
+            <a:fld id="{B929AB1E-7FD9-0A40-B7C0-508CCACB3E9A}" type="datetime1">
+              <a:rPr lang="en-CA" smtClean="0"/>
+              <a:t>2023-09-14</a:t>
+            </a:fld>
+            <a:endParaRPr lang="en-US"/>
+          </a:p>
+        </p:txBody>
+      </p:sp>
+    </p:spTree>
+    <p:extLst>
+      <p:ext uri="{BB962C8B-B14F-4D97-AF65-F5344CB8AC3E}">
+        <p14:creationId xmlns:p14="http://schemas.microsoft.com/office/powerpoint/2010/main" val="136376090"/>
       </p:ext>
     </p:extLst>
   </p:cSld>
